--- a/C#_Chapter_13.pptx
+++ b/C#_Chapter_13.pptx
@@ -218,7 +218,7 @@
           <a:p>
             <a:fld id="{53943FF0-91DD-4AB1-BFA6-6F59AE1E00F9}" type="datetimeFigureOut">
               <a:rPr lang="ko-KR" altLang="en-US" smtClean="0"/>
-              <a:t>2019-12-21</a:t>
+              <a:t>2019-12-23</a:t>
             </a:fld>
             <a:endParaRPr lang="ko-KR" altLang="en-US"/>
           </a:p>
@@ -5607,7 +5607,7 @@
           <a:p>
             <a:fld id="{48A87A34-81AB-432B-8DAE-1953F412C126}" type="datetimeFigureOut">
               <a:rPr lang="en-US" dirty="0"/>
-              <a:t>12/21/2019</a:t>
+              <a:t>12/23/2019</a:t>
             </a:fld>
             <a:endParaRPr lang="en-US" dirty="0"/>
           </a:p>
@@ -5869,7 +5869,7 @@
           <a:p>
             <a:fld id="{48A87A34-81AB-432B-8DAE-1953F412C126}" type="datetimeFigureOut">
               <a:rPr lang="en-US" dirty="0"/>
-              <a:t>12/21/2019</a:t>
+              <a:t>12/23/2019</a:t>
             </a:fld>
             <a:endParaRPr lang="en-US" dirty="0"/>
           </a:p>
@@ -6060,7 +6060,7 @@
           <a:p>
             <a:fld id="{48A87A34-81AB-432B-8DAE-1953F412C126}" type="datetimeFigureOut">
               <a:rPr lang="en-US" dirty="0"/>
-              <a:t>12/21/2019</a:t>
+              <a:t>12/23/2019</a:t>
             </a:fld>
             <a:endParaRPr lang="en-US" dirty="0"/>
           </a:p>
@@ -6318,7 +6318,7 @@
           <a:p>
             <a:fld id="{48A87A34-81AB-432B-8DAE-1953F412C126}" type="datetimeFigureOut">
               <a:rPr lang="en-US" dirty="0"/>
-              <a:t>12/21/2019</a:t>
+              <a:t>12/23/2019</a:t>
             </a:fld>
             <a:endParaRPr lang="en-US" dirty="0"/>
           </a:p>
@@ -6747,7 +6747,7 @@
           <a:p>
             <a:fld id="{48A87A34-81AB-432B-8DAE-1953F412C126}" type="datetimeFigureOut">
               <a:rPr lang="en-US" dirty="0"/>
-              <a:t>12/21/2019</a:t>
+              <a:t>12/23/2019</a:t>
             </a:fld>
             <a:endParaRPr lang="en-US" dirty="0"/>
           </a:p>
@@ -7288,7 +7288,7 @@
           <a:p>
             <a:fld id="{48A87A34-81AB-432B-8DAE-1953F412C126}" type="datetimeFigureOut">
               <a:rPr lang="en-US" dirty="0"/>
-              <a:t>12/21/2019</a:t>
+              <a:t>12/23/2019</a:t>
             </a:fld>
             <a:endParaRPr lang="en-US" dirty="0"/>
           </a:p>
@@ -8003,7 +8003,7 @@
           <a:p>
             <a:fld id="{48A87A34-81AB-432B-8DAE-1953F412C126}" type="datetimeFigureOut">
               <a:rPr lang="en-US" dirty="0"/>
-              <a:t>12/21/2019</a:t>
+              <a:t>12/23/2019</a:t>
             </a:fld>
             <a:endParaRPr lang="en-US" dirty="0"/>
           </a:p>
@@ -8168,7 +8168,7 @@
           <a:p>
             <a:fld id="{48A87A34-81AB-432B-8DAE-1953F412C126}" type="datetimeFigureOut">
               <a:rPr lang="en-US" dirty="0"/>
-              <a:t>12/21/2019</a:t>
+              <a:t>12/23/2019</a:t>
             </a:fld>
             <a:endParaRPr lang="en-US" dirty="0"/>
           </a:p>
@@ -8343,7 +8343,7 @@
           <a:p>
             <a:fld id="{48A87A34-81AB-432B-8DAE-1953F412C126}" type="datetimeFigureOut">
               <a:rPr lang="en-US" dirty="0"/>
-              <a:t>12/21/2019</a:t>
+              <a:t>12/23/2019</a:t>
             </a:fld>
             <a:endParaRPr lang="en-US" dirty="0"/>
           </a:p>
@@ -8508,7 +8508,7 @@
           <a:p>
             <a:fld id="{48A87A34-81AB-432B-8DAE-1953F412C126}" type="datetimeFigureOut">
               <a:rPr lang="en-US" dirty="0"/>
-              <a:t>12/21/2019</a:t>
+              <a:t>12/23/2019</a:t>
             </a:fld>
             <a:endParaRPr lang="en-US" dirty="0"/>
           </a:p>
@@ -8753,7 +8753,7 @@
           <a:p>
             <a:fld id="{48A87A34-81AB-432B-8DAE-1953F412C126}" type="datetimeFigureOut">
               <a:rPr lang="en-US" dirty="0"/>
-              <a:t>12/21/2019</a:t>
+              <a:t>12/23/2019</a:t>
             </a:fld>
             <a:endParaRPr lang="en-US" dirty="0"/>
           </a:p>
@@ -8980,7 +8980,7 @@
           <a:p>
             <a:fld id="{48A87A34-81AB-432B-8DAE-1953F412C126}" type="datetimeFigureOut">
               <a:rPr lang="en-US" dirty="0"/>
-              <a:t>12/21/2019</a:t>
+              <a:t>12/23/2019</a:t>
             </a:fld>
             <a:endParaRPr lang="en-US" dirty="0"/>
           </a:p>
@@ -9356,7 +9356,7 @@
           <a:p>
             <a:fld id="{48A87A34-81AB-432B-8DAE-1953F412C126}" type="datetimeFigureOut">
               <a:rPr lang="en-US" dirty="0"/>
-              <a:t>12/21/2019</a:t>
+              <a:t>12/23/2019</a:t>
             </a:fld>
             <a:endParaRPr lang="en-US" dirty="0"/>
           </a:p>
@@ -9469,7 +9469,7 @@
           <a:p>
             <a:fld id="{48A87A34-81AB-432B-8DAE-1953F412C126}" type="datetimeFigureOut">
               <a:rPr lang="en-US" dirty="0"/>
-              <a:t>12/21/2019</a:t>
+              <a:t>12/23/2019</a:t>
             </a:fld>
             <a:endParaRPr lang="en-US" dirty="0"/>
           </a:p>
@@ -9559,7 +9559,7 @@
           <a:p>
             <a:fld id="{48A87A34-81AB-432B-8DAE-1953F412C126}" type="datetimeFigureOut">
               <a:rPr lang="en-US" dirty="0"/>
-              <a:t>12/21/2019</a:t>
+              <a:t>12/23/2019</a:t>
             </a:fld>
             <a:endParaRPr lang="en-US" dirty="0"/>
           </a:p>
@@ -9803,7 +9803,7 @@
           <a:p>
             <a:fld id="{48A87A34-81AB-432B-8DAE-1953F412C126}" type="datetimeFigureOut">
               <a:rPr lang="en-US" dirty="0"/>
-              <a:t>12/21/2019</a:t>
+              <a:t>12/23/2019</a:t>
             </a:fld>
             <a:endParaRPr lang="en-US" dirty="0"/>
           </a:p>
@@ -10078,7 +10078,7 @@
           <a:p>
             <a:fld id="{48A87A34-81AB-432B-8DAE-1953F412C126}" type="datetimeFigureOut">
               <a:rPr lang="en-US" dirty="0"/>
-              <a:t>12/21/2019</a:t>
+              <a:t>12/23/2019</a:t>
             </a:fld>
             <a:endParaRPr lang="en-US" dirty="0"/>
           </a:p>
@@ -13141,7 +13141,7 @@
             <a:fld id="{48A87A34-81AB-432B-8DAE-1953F412C126}" type="datetimeFigureOut">
               <a:rPr lang="en-US" dirty="0"/>
               <a:pPr/>
-              <a:t>12/21/2019</a:t>
+              <a:t>12/23/2019</a:t>
             </a:fld>
             <a:endParaRPr lang="en-US" dirty="0"/>
           </a:p>
@@ -19080,16 +19080,6 @@
               <a:t> 컬렉션</a:t>
             </a:r>
             <a:endParaRPr lang="en-US" altLang="ko-KR" sz="1800" dirty="0"/>
-          </a:p>
-          <a:p>
-            <a:pPr marL="342900" indent="-342900">
-              <a:buFont typeface="+mj-lt"/>
-              <a:buAutoNum type="arabicPeriod"/>
-            </a:pPr>
-            <a:r>
-              <a:rPr lang="en-US" altLang="ko-KR" sz="1800" dirty="0"/>
-              <a:t>Effective C#</a:t>
-            </a:r>
           </a:p>
         </p:txBody>
       </p:sp>
